--- a/修論/本文/figure/fig_3_2_10QW_ridge_L400_GS.pptx
+++ b/修論/本文/figure/fig_3_2_10QW_ridge_L400_GS.pptx
@@ -270,7 +270,7 @@
           <a:p>
             <a:fld id="{F885D8D7-0196-498D-A30B-71F24360671E}" type="datetimeFigureOut">
               <a:rPr kumimoji="1" lang="ja-JP" altLang="en-US" smtClean="0"/>
-              <a:t>2018/12/18</a:t>
+              <a:t>2018/12/20</a:t>
             </a:fld>
             <a:endParaRPr kumimoji="1" lang="ja-JP" altLang="en-US"/>
           </a:p>
@@ -500,7 +500,7 @@
           <a:p>
             <a:fld id="{F885D8D7-0196-498D-A30B-71F24360671E}" type="datetimeFigureOut">
               <a:rPr kumimoji="1" lang="ja-JP" altLang="en-US" smtClean="0"/>
-              <a:t>2018/12/18</a:t>
+              <a:t>2018/12/20</a:t>
             </a:fld>
             <a:endParaRPr kumimoji="1" lang="ja-JP" altLang="en-US"/>
           </a:p>
@@ -740,7 +740,7 @@
           <a:p>
             <a:fld id="{F885D8D7-0196-498D-A30B-71F24360671E}" type="datetimeFigureOut">
               <a:rPr kumimoji="1" lang="ja-JP" altLang="en-US" smtClean="0"/>
-              <a:t>2018/12/18</a:t>
+              <a:t>2018/12/20</a:t>
             </a:fld>
             <a:endParaRPr kumimoji="1" lang="ja-JP" altLang="en-US"/>
           </a:p>
@@ -970,7 +970,7 @@
           <a:p>
             <a:fld id="{F885D8D7-0196-498D-A30B-71F24360671E}" type="datetimeFigureOut">
               <a:rPr kumimoji="1" lang="ja-JP" altLang="en-US" smtClean="0"/>
-              <a:t>2018/12/18</a:t>
+              <a:t>2018/12/20</a:t>
             </a:fld>
             <a:endParaRPr kumimoji="1" lang="ja-JP" altLang="en-US"/>
           </a:p>
@@ -1245,7 +1245,7 @@
           <a:p>
             <a:fld id="{F885D8D7-0196-498D-A30B-71F24360671E}" type="datetimeFigureOut">
               <a:rPr kumimoji="1" lang="ja-JP" altLang="en-US" smtClean="0"/>
-              <a:t>2018/12/18</a:t>
+              <a:t>2018/12/20</a:t>
             </a:fld>
             <a:endParaRPr kumimoji="1" lang="ja-JP" altLang="en-US"/>
           </a:p>
@@ -1574,7 +1574,7 @@
           <a:p>
             <a:fld id="{F885D8D7-0196-498D-A30B-71F24360671E}" type="datetimeFigureOut">
               <a:rPr kumimoji="1" lang="ja-JP" altLang="en-US" smtClean="0"/>
-              <a:t>2018/12/18</a:t>
+              <a:t>2018/12/20</a:t>
             </a:fld>
             <a:endParaRPr kumimoji="1" lang="ja-JP" altLang="en-US"/>
           </a:p>
@@ -2050,7 +2050,7 @@
           <a:p>
             <a:fld id="{F885D8D7-0196-498D-A30B-71F24360671E}" type="datetimeFigureOut">
               <a:rPr kumimoji="1" lang="ja-JP" altLang="en-US" smtClean="0"/>
-              <a:t>2018/12/18</a:t>
+              <a:t>2018/12/20</a:t>
             </a:fld>
             <a:endParaRPr kumimoji="1" lang="ja-JP" altLang="en-US"/>
           </a:p>
@@ -2191,7 +2191,7 @@
           <a:p>
             <a:fld id="{F885D8D7-0196-498D-A30B-71F24360671E}" type="datetimeFigureOut">
               <a:rPr kumimoji="1" lang="ja-JP" altLang="en-US" smtClean="0"/>
-              <a:t>2018/12/18</a:t>
+              <a:t>2018/12/20</a:t>
             </a:fld>
             <a:endParaRPr kumimoji="1" lang="ja-JP" altLang="en-US"/>
           </a:p>
@@ -2304,7 +2304,7 @@
           <a:p>
             <a:fld id="{F885D8D7-0196-498D-A30B-71F24360671E}" type="datetimeFigureOut">
               <a:rPr kumimoji="1" lang="ja-JP" altLang="en-US" smtClean="0"/>
-              <a:t>2018/12/18</a:t>
+              <a:t>2018/12/20</a:t>
             </a:fld>
             <a:endParaRPr kumimoji="1" lang="ja-JP" altLang="en-US"/>
           </a:p>
@@ -2647,7 +2647,7 @@
           <a:p>
             <a:fld id="{F885D8D7-0196-498D-A30B-71F24360671E}" type="datetimeFigureOut">
               <a:rPr kumimoji="1" lang="ja-JP" altLang="en-US" smtClean="0"/>
-              <a:t>2018/12/18</a:t>
+              <a:t>2018/12/20</a:t>
             </a:fld>
             <a:endParaRPr kumimoji="1" lang="ja-JP" altLang="en-US"/>
           </a:p>
@@ -2935,7 +2935,7 @@
           <a:p>
             <a:fld id="{F885D8D7-0196-498D-A30B-71F24360671E}" type="datetimeFigureOut">
               <a:rPr kumimoji="1" lang="ja-JP" altLang="en-US" smtClean="0"/>
-              <a:t>2018/12/18</a:t>
+              <a:t>2018/12/20</a:t>
             </a:fld>
             <a:endParaRPr kumimoji="1" lang="ja-JP" altLang="en-US"/>
           </a:p>
@@ -3208,7 +3208,7 @@
           <a:p>
             <a:fld id="{F885D8D7-0196-498D-A30B-71F24360671E}" type="datetimeFigureOut">
               <a:rPr kumimoji="1" lang="ja-JP" altLang="en-US" smtClean="0"/>
-              <a:t>2018/12/18</a:t>
+              <a:t>2018/12/20</a:t>
             </a:fld>
             <a:endParaRPr kumimoji="1" lang="ja-JP" altLang="en-US"/>
           </a:p>
@@ -3627,10 +3627,10 @@
       </p:grpSpPr>
       <p:pic>
         <p:nvPicPr>
-          <p:cNvPr id="4" name="図 3">
-            <a:extLst>
-              <a:ext uri="{FF2B5EF4-FFF2-40B4-BE49-F238E27FC236}">
-                <a16:creationId xmlns:a16="http://schemas.microsoft.com/office/drawing/2014/main" id="{1F9855DF-C001-4437-B1E9-519D8D42969E}"/>
+          <p:cNvPr id="2" name="図 1">
+            <a:extLst>
+              <a:ext uri="{FF2B5EF4-FFF2-40B4-BE49-F238E27FC236}">
+                <a16:creationId xmlns:a16="http://schemas.microsoft.com/office/drawing/2014/main" id="{801471DF-CD5F-4CF6-B8A4-17718EACC844}"/>
               </a:ext>
             </a:extLst>
           </p:cNvPr>
@@ -3647,7 +3647,37 @@
         </p:blipFill>
         <p:spPr>
           <a:xfrm>
-            <a:off x="3751630" y="1672474"/>
+            <a:off x="6652432" y="1723576"/>
+            <a:ext cx="5411492" cy="3410848"/>
+          </a:xfrm>
+          <a:prstGeom prst="rect">
+            <a:avLst/>
+          </a:prstGeom>
+        </p:spPr>
+      </p:pic>
+      <p:pic>
+        <p:nvPicPr>
+          <p:cNvPr id="3" name="図 2">
+            <a:extLst>
+              <a:ext uri="{FF2B5EF4-FFF2-40B4-BE49-F238E27FC236}">
+                <a16:creationId xmlns:a16="http://schemas.microsoft.com/office/drawing/2014/main" id="{B7B56872-7A28-4E56-B936-2452F4972B48}"/>
+              </a:ext>
+            </a:extLst>
+          </p:cNvPr>
+          <p:cNvPicPr>
+            <a:picLocks noChangeAspect="1"/>
+          </p:cNvPicPr>
+          <p:nvPr/>
+        </p:nvPicPr>
+        <p:blipFill>
+          <a:blip r:embed="rId3"/>
+          <a:stretch>
+            <a:fillRect/>
+          </a:stretch>
+        </p:blipFill>
+        <p:spPr>
+          <a:xfrm>
+            <a:off x="2392387" y="1672474"/>
             <a:ext cx="4688740" cy="3513051"/>
           </a:xfrm>
           <a:prstGeom prst="rect">
@@ -3655,6 +3685,78 @@
           </a:prstGeom>
         </p:spPr>
       </p:pic>
+      <p:sp>
+        <p:nvSpPr>
+          <p:cNvPr id="5" name="テキスト ボックス 4">
+            <a:extLst>
+              <a:ext uri="{FF2B5EF4-FFF2-40B4-BE49-F238E27FC236}">
+                <a16:creationId xmlns:a16="http://schemas.microsoft.com/office/drawing/2014/main" id="{828D49CC-9F8F-4C25-A89B-F4BDE51B7B3B}"/>
+              </a:ext>
+            </a:extLst>
+          </p:cNvPr>
+          <p:cNvSpPr txBox="1"/>
+          <p:nvPr/>
+        </p:nvSpPr>
+        <p:spPr>
+          <a:xfrm>
+            <a:off x="2693772" y="1430444"/>
+            <a:ext cx="749643" cy="369332"/>
+          </a:xfrm>
+          <a:prstGeom prst="rect">
+            <a:avLst/>
+          </a:prstGeom>
+          <a:noFill/>
+        </p:spPr>
+        <p:txBody>
+          <a:bodyPr wrap="square" rtlCol="0">
+            <a:spAutoFit/>
+          </a:bodyPr>
+          <a:lstStyle/>
+          <a:p>
+            <a:r>
+              <a:rPr kumimoji="1" lang="en-US" altLang="ja-JP" dirty="0"/>
+              <a:t>(a)</a:t>
+            </a:r>
+            <a:endParaRPr kumimoji="1" lang="ja-JP" altLang="en-US" dirty="0"/>
+          </a:p>
+        </p:txBody>
+      </p:sp>
+      <p:sp>
+        <p:nvSpPr>
+          <p:cNvPr id="6" name="テキスト ボックス 5">
+            <a:extLst>
+              <a:ext uri="{FF2B5EF4-FFF2-40B4-BE49-F238E27FC236}">
+                <a16:creationId xmlns:a16="http://schemas.microsoft.com/office/drawing/2014/main" id="{409D6431-F5BF-4905-A26B-996200C36442}"/>
+              </a:ext>
+            </a:extLst>
+          </p:cNvPr>
+          <p:cNvSpPr txBox="1"/>
+          <p:nvPr/>
+        </p:nvSpPr>
+        <p:spPr>
+          <a:xfrm>
+            <a:off x="6652432" y="1430444"/>
+            <a:ext cx="749643" cy="369332"/>
+          </a:xfrm>
+          <a:prstGeom prst="rect">
+            <a:avLst/>
+          </a:prstGeom>
+          <a:noFill/>
+        </p:spPr>
+        <p:txBody>
+          <a:bodyPr wrap="square" rtlCol="0">
+            <a:spAutoFit/>
+          </a:bodyPr>
+          <a:lstStyle/>
+          <a:p>
+            <a:r>
+              <a:rPr kumimoji="1" lang="en-US" altLang="ja-JP" dirty="0"/>
+              <a:t>(b)</a:t>
+            </a:r>
+            <a:endParaRPr kumimoji="1" lang="ja-JP" altLang="en-US" dirty="0"/>
+          </a:p>
+        </p:txBody>
+      </p:sp>
     </p:spTree>
     <p:extLst>
       <p:ext uri="{BB962C8B-B14F-4D97-AF65-F5344CB8AC3E}">
